--- a/03d Aggregation projection.pptx
+++ b/03d Aggregation projection.pptx
@@ -5,7 +5,7 @@
     <p:sldMasterId id="2147483659" r:id="rId1"/>
   </p:sldMasterIdLst>
   <p:notesMasterIdLst>
-    <p:notesMasterId r:id="rId13"/>
+    <p:notesMasterId r:id="rId9"/>
   </p:notesMasterIdLst>
   <p:sldIdLst>
     <p:sldId id="263" r:id="rId2"/>
@@ -15,20 +15,16 @@
     <p:sldId id="341" r:id="rId6"/>
     <p:sldId id="344" r:id="rId7"/>
     <p:sldId id="345" r:id="rId8"/>
-    <p:sldId id="346" r:id="rId9"/>
-    <p:sldId id="347" r:id="rId10"/>
-    <p:sldId id="348" r:id="rId11"/>
-    <p:sldId id="349" r:id="rId12"/>
   </p:sldIdLst>
   <p:sldSz cx="9144000" cy="5143500" type="screen16x9"/>
   <p:notesSz cx="6858000" cy="9144000"/>
   <p:embeddedFontLst>
     <p:embeddedFont>
       <p:font typeface="Roboto" panose="02000000000000000000" pitchFamily="2" charset="0"/>
-      <p:regular r:id="rId14"/>
-      <p:bold r:id="rId15"/>
-      <p:italic r:id="rId16"/>
-      <p:boldItalic r:id="rId17"/>
+      <p:regular r:id="rId10"/>
+      <p:bold r:id="rId11"/>
+      <p:italic r:id="rId12"/>
+      <p:boldItalic r:id="rId13"/>
     </p:embeddedFont>
   </p:embeddedFontLst>
   <p:defaultTextStyle>
@@ -3397,116 +3393,6 @@
 </p:sld>
 </file>
 
-<file path=ppt/slides/slide10.xml><?xml version="1.0" encoding="utf-8"?>
-<p:sld xmlns:a="http://schemas.openxmlformats.org/drawingml/2006/main" xmlns:r="http://schemas.openxmlformats.org/officeDocument/2006/relationships" xmlns:p="http://schemas.openxmlformats.org/presentationml/2006/main">
-  <p:cSld>
-    <p:spTree>
-      <p:nvGrpSpPr>
-        <p:cNvPr id="1" name=""/>
-        <p:cNvGrpSpPr/>
-        <p:nvPr/>
-      </p:nvGrpSpPr>
-      <p:grpSpPr>
-        <a:xfrm>
-          <a:off x="0" y="0"/>
-          <a:ext cx="0" cy="0"/>
-          <a:chOff x="0" y="0"/>
-          <a:chExt cx="0" cy="0"/>
-        </a:xfrm>
-      </p:grpSpPr>
-      <p:sp>
-        <p:nvSpPr>
-          <p:cNvPr id="2" name="Title 1">
-            <a:extLst>
-              <a:ext uri="{FF2B5EF4-FFF2-40B4-BE49-F238E27FC236}">
-                <a16:creationId xmlns:a16="http://schemas.microsoft.com/office/drawing/2014/main" id="{1519E8FD-72D2-2343-AA87-60B13EFE388B}"/>
-              </a:ext>
-            </a:extLst>
-          </p:cNvPr>
-          <p:cNvSpPr>
-            <a:spLocks noGrp="1"/>
-          </p:cNvSpPr>
-          <p:nvPr>
-            <p:ph type="title"/>
-          </p:nvPr>
-        </p:nvSpPr>
-        <p:spPr/>
-        <p:txBody>
-          <a:bodyPr/>
-          <a:lstStyle/>
-          <a:p>
-            <a:endParaRPr lang="en-US"/>
-          </a:p>
-        </p:txBody>
-      </p:sp>
-    </p:spTree>
-    <p:extLst>
-      <p:ext uri="{BB962C8B-B14F-4D97-AF65-F5344CB8AC3E}">
-        <p14:creationId xmlns:p14="http://schemas.microsoft.com/office/powerpoint/2010/main" val="842863416"/>
-      </p:ext>
-    </p:extLst>
-  </p:cSld>
-  <p:clrMapOvr>
-    <a:masterClrMapping/>
-  </p:clrMapOvr>
-</p:sld>
-</file>
-
-<file path=ppt/slides/slide11.xml><?xml version="1.0" encoding="utf-8"?>
-<p:sld xmlns:a="http://schemas.openxmlformats.org/drawingml/2006/main" xmlns:r="http://schemas.openxmlformats.org/officeDocument/2006/relationships" xmlns:p="http://schemas.openxmlformats.org/presentationml/2006/main">
-  <p:cSld>
-    <p:spTree>
-      <p:nvGrpSpPr>
-        <p:cNvPr id="1" name=""/>
-        <p:cNvGrpSpPr/>
-        <p:nvPr/>
-      </p:nvGrpSpPr>
-      <p:grpSpPr>
-        <a:xfrm>
-          <a:off x="0" y="0"/>
-          <a:ext cx="0" cy="0"/>
-          <a:chOff x="0" y="0"/>
-          <a:chExt cx="0" cy="0"/>
-        </a:xfrm>
-      </p:grpSpPr>
-      <p:sp>
-        <p:nvSpPr>
-          <p:cNvPr id="2" name="Title 1">
-            <a:extLst>
-              <a:ext uri="{FF2B5EF4-FFF2-40B4-BE49-F238E27FC236}">
-                <a16:creationId xmlns:a16="http://schemas.microsoft.com/office/drawing/2014/main" id="{1519E8FD-72D2-2343-AA87-60B13EFE388B}"/>
-              </a:ext>
-            </a:extLst>
-          </p:cNvPr>
-          <p:cNvSpPr>
-            <a:spLocks noGrp="1"/>
-          </p:cNvSpPr>
-          <p:nvPr>
-            <p:ph type="title"/>
-          </p:nvPr>
-        </p:nvSpPr>
-        <p:spPr/>
-        <p:txBody>
-          <a:bodyPr/>
-          <a:lstStyle/>
-          <a:p>
-            <a:endParaRPr lang="en-US"/>
-          </a:p>
-        </p:txBody>
-      </p:sp>
-    </p:spTree>
-    <p:extLst>
-      <p:ext uri="{BB962C8B-B14F-4D97-AF65-F5344CB8AC3E}">
-        <p14:creationId xmlns:p14="http://schemas.microsoft.com/office/powerpoint/2010/main" val="1290153331"/>
-      </p:ext>
-    </p:extLst>
-  </p:cSld>
-  <p:clrMapOvr>
-    <a:masterClrMapping/>
-  </p:clrMapOvr>
-</p:sld>
-</file>
-
 <file path=ppt/slides/slide2.xml><?xml version="1.0" encoding="utf-8"?>
 <p:sld xmlns:a="http://schemas.openxmlformats.org/drawingml/2006/main" xmlns:r="http://schemas.openxmlformats.org/officeDocument/2006/relationships" xmlns:p="http://schemas.openxmlformats.org/presentationml/2006/main">
   <p:cSld>
@@ -3591,14 +3477,10 @@
           </a:bodyPr>
           <a:lstStyle/>
           <a:p>
-            <a:pPr marL="0" lvl="0" indent="0" algn="l" rtl="0">
-              <a:spcBef>
-                <a:spcPts val="0"/>
-              </a:spcBef>
+            <a:pPr marL="285750" indent="-285750">
               <a:spcAft>
                 <a:spcPts val="1600"/>
               </a:spcAft>
-              <a:buNone/>
             </a:pPr>
             <a:r>
               <a:rPr lang="en-AU" dirty="0"/>
@@ -3606,14 +3488,10 @@
             </a:r>
           </a:p>
           <a:p>
-            <a:pPr marL="0" lvl="0" indent="0" algn="l" rtl="0">
-              <a:spcBef>
-                <a:spcPts val="0"/>
-              </a:spcBef>
+            <a:pPr marL="285750" indent="-285750">
               <a:spcAft>
                 <a:spcPts val="1600"/>
               </a:spcAft>
-              <a:buNone/>
             </a:pPr>
             <a:r>
               <a:rPr lang="en-AU" dirty="0"/>
@@ -4116,7 +3994,7 @@
         </p:blipFill>
         <p:spPr>
           <a:xfrm>
-            <a:off x="0" y="288043"/>
+            <a:off x="0" y="576086"/>
             <a:ext cx="9144000" cy="4567414"/>
           </a:xfrm>
           <a:prstGeom prst="rect">
@@ -4201,7 +4079,7 @@
         </p:blipFill>
         <p:spPr>
           <a:xfrm>
-            <a:off x="0" y="288043"/>
+            <a:off x="0" y="576086"/>
             <a:ext cx="9144000" cy="4567414"/>
           </a:xfrm>
           <a:prstGeom prst="rect">
@@ -4209,6 +4087,87 @@
           </a:prstGeom>
         </p:spPr>
       </p:pic>
+      <p:cxnSp>
+        <p:nvCxnSpPr>
+          <p:cNvPr id="4" name="Straight Arrow Connector 3">
+            <a:extLst>
+              <a:ext uri="{FF2B5EF4-FFF2-40B4-BE49-F238E27FC236}">
+                <a16:creationId xmlns:a16="http://schemas.microsoft.com/office/drawing/2014/main" id="{83F55CD8-F4FA-C847-B066-A4B81AA27A56}"/>
+              </a:ext>
+            </a:extLst>
+          </p:cNvPr>
+          <p:cNvCxnSpPr>
+            <a:cxnSpLocks/>
+            <a:stCxn id="5" idx="1"/>
+          </p:cNvCxnSpPr>
+          <p:nvPr/>
+        </p:nvCxnSpPr>
+        <p:spPr>
+          <a:xfrm flipH="1" flipV="1">
+            <a:off x="3381902" y="1589862"/>
+            <a:ext cx="1224562" cy="525154"/>
+          </a:xfrm>
+          <a:prstGeom prst="straightConnector1">
+            <a:avLst/>
+          </a:prstGeom>
+          <a:ln>
+            <a:tailEnd type="triangle"/>
+          </a:ln>
+        </p:spPr>
+        <p:style>
+          <a:lnRef idx="1">
+            <a:schemeClr val="accent1"/>
+          </a:lnRef>
+          <a:fillRef idx="0">
+            <a:schemeClr val="accent1"/>
+          </a:fillRef>
+          <a:effectRef idx="0">
+            <a:schemeClr val="accent1"/>
+          </a:effectRef>
+          <a:fontRef idx="minor">
+            <a:schemeClr val="tx1"/>
+          </a:fontRef>
+        </p:style>
+      </p:cxnSp>
+      <p:sp>
+        <p:nvSpPr>
+          <p:cNvPr id="5" name="TextBox 4">
+            <a:extLst>
+              <a:ext uri="{FF2B5EF4-FFF2-40B4-BE49-F238E27FC236}">
+                <a16:creationId xmlns:a16="http://schemas.microsoft.com/office/drawing/2014/main" id="{846AB77F-DB23-B748-AF0A-6FDBD466A3A0}"/>
+              </a:ext>
+            </a:extLst>
+          </p:cNvPr>
+          <p:cNvSpPr txBox="1"/>
+          <p:nvPr/>
+        </p:nvSpPr>
+        <p:spPr>
+          <a:xfrm>
+            <a:off x="4606464" y="1914961"/>
+            <a:ext cx="2605351" cy="400110"/>
+          </a:xfrm>
+          <a:prstGeom prst="rect">
+            <a:avLst/>
+          </a:prstGeom>
+          <a:noFill/>
+        </p:spPr>
+        <p:txBody>
+          <a:bodyPr wrap="square" rtlCol="0">
+            <a:spAutoFit/>
+          </a:bodyPr>
+          <a:lstStyle/>
+          <a:p>
+            <a:r>
+              <a:rPr lang="en-US" sz="1000" dirty="0">
+                <a:solidFill>
+                  <a:srgbClr val="FFC000"/>
+                </a:solidFill>
+              </a:rPr>
+              <a:t>_id is always shown, unless explicitly suppressed</a:t>
+            </a:r>
+          </a:p>
+        </p:txBody>
+      </p:sp>
     </p:spTree>
     <p:extLst>
       <p:ext uri="{BB962C8B-B14F-4D97-AF65-F5344CB8AC3E}">
@@ -4219,6 +4178,111 @@
   <p:clrMapOvr>
     <a:masterClrMapping/>
   </p:clrMapOvr>
+  <p:timing>
+    <p:tnLst>
+      <p:par>
+        <p:cTn id="1" dur="indefinite" restart="never" nodeType="tmRoot">
+          <p:childTnLst>
+            <p:seq concurrent="1" nextAc="seek">
+              <p:cTn id="2" dur="indefinite" nodeType="mainSeq">
+                <p:childTnLst>
+                  <p:par>
+                    <p:cTn id="3" fill="hold">
+                      <p:stCondLst>
+                        <p:cond delay="indefinite"/>
+                      </p:stCondLst>
+                      <p:childTnLst>
+                        <p:par>
+                          <p:cTn id="4" fill="hold">
+                            <p:stCondLst>
+                              <p:cond delay="0"/>
+                            </p:stCondLst>
+                            <p:childTnLst>
+                              <p:par>
+                                <p:cTn id="5" presetID="1" presetClass="entr" presetSubtype="0" fill="hold" grpId="0" nodeType="clickEffect">
+                                  <p:stCondLst>
+                                    <p:cond delay="0"/>
+                                  </p:stCondLst>
+                                  <p:childTnLst>
+                                    <p:set>
+                                      <p:cBhvr>
+                                        <p:cTn id="6" dur="1" fill="hold">
+                                          <p:stCondLst>
+                                            <p:cond delay="0"/>
+                                          </p:stCondLst>
+                                        </p:cTn>
+                                        <p:tgtEl>
+                                          <p:spTgt spid="5"/>
+                                        </p:tgtEl>
+                                        <p:attrNameLst>
+                                          <p:attrName>style.visibility</p:attrName>
+                                        </p:attrNameLst>
+                                      </p:cBhvr>
+                                      <p:to>
+                                        <p:strVal val="visible"/>
+                                      </p:to>
+                                    </p:set>
+                                  </p:childTnLst>
+                                </p:cTn>
+                              </p:par>
+                              <p:par>
+                                <p:cTn id="7" presetID="1" presetClass="entr" presetSubtype="0" fill="hold" nodeType="withEffect">
+                                  <p:stCondLst>
+                                    <p:cond delay="0"/>
+                                  </p:stCondLst>
+                                  <p:childTnLst>
+                                    <p:set>
+                                      <p:cBhvr>
+                                        <p:cTn id="8" dur="1" fill="hold">
+                                          <p:stCondLst>
+                                            <p:cond delay="0"/>
+                                          </p:stCondLst>
+                                        </p:cTn>
+                                        <p:tgtEl>
+                                          <p:spTgt spid="4"/>
+                                        </p:tgtEl>
+                                        <p:attrNameLst>
+                                          <p:attrName>style.visibility</p:attrName>
+                                        </p:attrNameLst>
+                                      </p:cBhvr>
+                                      <p:to>
+                                        <p:strVal val="visible"/>
+                                      </p:to>
+                                    </p:set>
+                                  </p:childTnLst>
+                                </p:cTn>
+                              </p:par>
+                            </p:childTnLst>
+                          </p:cTn>
+                        </p:par>
+                      </p:childTnLst>
+                    </p:cTn>
+                  </p:par>
+                </p:childTnLst>
+              </p:cTn>
+              <p:prevCondLst>
+                <p:cond evt="onPrev" delay="0">
+                  <p:tgtEl>
+                    <p:sldTgt/>
+                  </p:tgtEl>
+                </p:cond>
+              </p:prevCondLst>
+              <p:nextCondLst>
+                <p:cond evt="onNext" delay="0">
+                  <p:tgtEl>
+                    <p:sldTgt/>
+                  </p:tgtEl>
+                </p:cond>
+              </p:nextCondLst>
+            </p:seq>
+          </p:childTnLst>
+        </p:cTn>
+      </p:par>
+    </p:tnLst>
+    <p:bldLst>
+      <p:bldP spid="5" grpId="0"/>
+    </p:bldLst>
+  </p:timing>
 </p:sld>
 </file>
 
@@ -4286,7 +4350,7 @@
         </p:blipFill>
         <p:spPr>
           <a:xfrm>
-            <a:off x="0" y="288043"/>
+            <a:off x="0" y="576086"/>
             <a:ext cx="9144000" cy="4567414"/>
           </a:xfrm>
           <a:prstGeom prst="rect">
@@ -4294,6 +4358,168 @@
           </a:prstGeom>
         </p:spPr>
       </p:pic>
+      <p:cxnSp>
+        <p:nvCxnSpPr>
+          <p:cNvPr id="4" name="Straight Arrow Connector 3">
+            <a:extLst>
+              <a:ext uri="{FF2B5EF4-FFF2-40B4-BE49-F238E27FC236}">
+                <a16:creationId xmlns:a16="http://schemas.microsoft.com/office/drawing/2014/main" id="{F13576DA-ABEE-1C4A-8B86-483FB79D6D49}"/>
+              </a:ext>
+            </a:extLst>
+          </p:cNvPr>
+          <p:cNvCxnSpPr>
+            <a:cxnSpLocks/>
+            <a:stCxn id="5" idx="1"/>
+          </p:cNvCxnSpPr>
+          <p:nvPr/>
+        </p:nvCxnSpPr>
+        <p:spPr>
+          <a:xfrm flipH="1">
+            <a:off x="4514565" y="1061690"/>
+            <a:ext cx="859259" cy="370939"/>
+          </a:xfrm>
+          <a:prstGeom prst="straightConnector1">
+            <a:avLst/>
+          </a:prstGeom>
+          <a:ln>
+            <a:tailEnd type="triangle"/>
+          </a:ln>
+        </p:spPr>
+        <p:style>
+          <a:lnRef idx="1">
+            <a:schemeClr val="accent1"/>
+          </a:lnRef>
+          <a:fillRef idx="0">
+            <a:schemeClr val="accent1"/>
+          </a:fillRef>
+          <a:effectRef idx="0">
+            <a:schemeClr val="accent1"/>
+          </a:effectRef>
+          <a:fontRef idx="minor">
+            <a:schemeClr val="tx1"/>
+          </a:fontRef>
+        </p:style>
+      </p:cxnSp>
+      <p:sp>
+        <p:nvSpPr>
+          <p:cNvPr id="5" name="TextBox 4">
+            <a:extLst>
+              <a:ext uri="{FF2B5EF4-FFF2-40B4-BE49-F238E27FC236}">
+                <a16:creationId xmlns:a16="http://schemas.microsoft.com/office/drawing/2014/main" id="{8B9001DE-08FC-4E49-BEAA-287E5E143C0D}"/>
+              </a:ext>
+            </a:extLst>
+          </p:cNvPr>
+          <p:cNvSpPr txBox="1"/>
+          <p:nvPr/>
+        </p:nvSpPr>
+        <p:spPr>
+          <a:xfrm>
+            <a:off x="5373824" y="938579"/>
+            <a:ext cx="2605351" cy="246221"/>
+          </a:xfrm>
+          <a:prstGeom prst="rect">
+            <a:avLst/>
+          </a:prstGeom>
+          <a:noFill/>
+        </p:spPr>
+        <p:txBody>
+          <a:bodyPr wrap="square" rtlCol="0">
+            <a:spAutoFit/>
+          </a:bodyPr>
+          <a:lstStyle/>
+          <a:p>
+            <a:r>
+              <a:rPr lang="en-US" sz="1000" dirty="0">
+                <a:solidFill>
+                  <a:srgbClr val="FFC000"/>
+                </a:solidFill>
+              </a:rPr>
+              <a:t>Rename this</a:t>
+            </a:r>
+          </a:p>
+        </p:txBody>
+      </p:sp>
+      <p:cxnSp>
+        <p:nvCxnSpPr>
+          <p:cNvPr id="6" name="Straight Arrow Connector 5">
+            <a:extLst>
+              <a:ext uri="{FF2B5EF4-FFF2-40B4-BE49-F238E27FC236}">
+                <a16:creationId xmlns:a16="http://schemas.microsoft.com/office/drawing/2014/main" id="{CD89EDA7-7FF2-534F-AB71-9799D1B3A908}"/>
+              </a:ext>
+            </a:extLst>
+          </p:cNvPr>
+          <p:cNvCxnSpPr>
+            <a:cxnSpLocks/>
+            <a:stCxn id="7" idx="1"/>
+          </p:cNvCxnSpPr>
+          <p:nvPr/>
+        </p:nvCxnSpPr>
+        <p:spPr>
+          <a:xfrm flipH="1" flipV="1">
+            <a:off x="3515156" y="1502557"/>
+            <a:ext cx="999409" cy="343720"/>
+          </a:xfrm>
+          <a:prstGeom prst="straightConnector1">
+            <a:avLst/>
+          </a:prstGeom>
+          <a:ln>
+            <a:tailEnd type="triangle"/>
+          </a:ln>
+        </p:spPr>
+        <p:style>
+          <a:lnRef idx="1">
+            <a:schemeClr val="accent1"/>
+          </a:lnRef>
+          <a:fillRef idx="0">
+            <a:schemeClr val="accent1"/>
+          </a:fillRef>
+          <a:effectRef idx="0">
+            <a:schemeClr val="accent1"/>
+          </a:effectRef>
+          <a:fontRef idx="minor">
+            <a:schemeClr val="tx1"/>
+          </a:fontRef>
+        </p:style>
+      </p:cxnSp>
+      <p:sp>
+        <p:nvSpPr>
+          <p:cNvPr id="7" name="TextBox 6">
+            <a:extLst>
+              <a:ext uri="{FF2B5EF4-FFF2-40B4-BE49-F238E27FC236}">
+                <a16:creationId xmlns:a16="http://schemas.microsoft.com/office/drawing/2014/main" id="{871495E7-1264-784D-A4E3-F85C8A988025}"/>
+              </a:ext>
+            </a:extLst>
+          </p:cNvPr>
+          <p:cNvSpPr txBox="1"/>
+          <p:nvPr/>
+        </p:nvSpPr>
+        <p:spPr>
+          <a:xfrm>
+            <a:off x="4514565" y="1723166"/>
+            <a:ext cx="2605351" cy="246221"/>
+          </a:xfrm>
+          <a:prstGeom prst="rect">
+            <a:avLst/>
+          </a:prstGeom>
+          <a:noFill/>
+        </p:spPr>
+        <p:txBody>
+          <a:bodyPr wrap="square" rtlCol="0">
+            <a:spAutoFit/>
+          </a:bodyPr>
+          <a:lstStyle/>
+          <a:p>
+            <a:r>
+              <a:rPr lang="en-US" sz="1000" dirty="0">
+                <a:solidFill>
+                  <a:srgbClr val="FFC000"/>
+                </a:solidFill>
+              </a:rPr>
+              <a:t>To that</a:t>
+            </a:r>
+          </a:p>
+        </p:txBody>
+      </p:sp>
     </p:spTree>
     <p:extLst>
       <p:ext uri="{BB962C8B-B14F-4D97-AF65-F5344CB8AC3E}">
@@ -4304,116 +4530,184 @@
   <p:clrMapOvr>
     <a:masterClrMapping/>
   </p:clrMapOvr>
-</p:sld>
-</file>
-
-<file path=ppt/slides/slide8.xml><?xml version="1.0" encoding="utf-8"?>
-<p:sld xmlns:a="http://schemas.openxmlformats.org/drawingml/2006/main" xmlns:r="http://schemas.openxmlformats.org/officeDocument/2006/relationships" xmlns:p="http://schemas.openxmlformats.org/presentationml/2006/main">
-  <p:cSld>
-    <p:spTree>
-      <p:nvGrpSpPr>
-        <p:cNvPr id="1" name=""/>
-        <p:cNvGrpSpPr/>
-        <p:nvPr/>
-      </p:nvGrpSpPr>
-      <p:grpSpPr>
-        <a:xfrm>
-          <a:off x="0" y="0"/>
-          <a:ext cx="0" cy="0"/>
-          <a:chOff x="0" y="0"/>
-          <a:chExt cx="0" cy="0"/>
-        </a:xfrm>
-      </p:grpSpPr>
-      <p:sp>
-        <p:nvSpPr>
-          <p:cNvPr id="2" name="Title 1">
-            <a:extLst>
-              <a:ext uri="{FF2B5EF4-FFF2-40B4-BE49-F238E27FC236}">
-                <a16:creationId xmlns:a16="http://schemas.microsoft.com/office/drawing/2014/main" id="{1519E8FD-72D2-2343-AA87-60B13EFE388B}"/>
-              </a:ext>
-            </a:extLst>
-          </p:cNvPr>
-          <p:cNvSpPr>
-            <a:spLocks noGrp="1"/>
-          </p:cNvSpPr>
-          <p:nvPr>
-            <p:ph type="title"/>
-          </p:nvPr>
-        </p:nvSpPr>
-        <p:spPr/>
-        <p:txBody>
-          <a:bodyPr/>
-          <a:lstStyle/>
-          <a:p>
-            <a:endParaRPr lang="en-US"/>
-          </a:p>
-        </p:txBody>
-      </p:sp>
-    </p:spTree>
-    <p:extLst>
-      <p:ext uri="{BB962C8B-B14F-4D97-AF65-F5344CB8AC3E}">
-        <p14:creationId xmlns:p14="http://schemas.microsoft.com/office/powerpoint/2010/main" val="2791457987"/>
-      </p:ext>
-    </p:extLst>
-  </p:cSld>
-  <p:clrMapOvr>
-    <a:masterClrMapping/>
-  </p:clrMapOvr>
-</p:sld>
-</file>
-
-<file path=ppt/slides/slide9.xml><?xml version="1.0" encoding="utf-8"?>
-<p:sld xmlns:a="http://schemas.openxmlformats.org/drawingml/2006/main" xmlns:r="http://schemas.openxmlformats.org/officeDocument/2006/relationships" xmlns:p="http://schemas.openxmlformats.org/presentationml/2006/main">
-  <p:cSld>
-    <p:spTree>
-      <p:nvGrpSpPr>
-        <p:cNvPr id="1" name=""/>
-        <p:cNvGrpSpPr/>
-        <p:nvPr/>
-      </p:nvGrpSpPr>
-      <p:grpSpPr>
-        <a:xfrm>
-          <a:off x="0" y="0"/>
-          <a:ext cx="0" cy="0"/>
-          <a:chOff x="0" y="0"/>
-          <a:chExt cx="0" cy="0"/>
-        </a:xfrm>
-      </p:grpSpPr>
-      <p:sp>
-        <p:nvSpPr>
-          <p:cNvPr id="2" name="Title 1">
-            <a:extLst>
-              <a:ext uri="{FF2B5EF4-FFF2-40B4-BE49-F238E27FC236}">
-                <a16:creationId xmlns:a16="http://schemas.microsoft.com/office/drawing/2014/main" id="{1519E8FD-72D2-2343-AA87-60B13EFE388B}"/>
-              </a:ext>
-            </a:extLst>
-          </p:cNvPr>
-          <p:cNvSpPr>
-            <a:spLocks noGrp="1"/>
-          </p:cNvSpPr>
-          <p:nvPr>
-            <p:ph type="title"/>
-          </p:nvPr>
-        </p:nvSpPr>
-        <p:spPr/>
-        <p:txBody>
-          <a:bodyPr/>
-          <a:lstStyle/>
-          <a:p>
-            <a:endParaRPr lang="en-US"/>
-          </a:p>
-        </p:txBody>
-      </p:sp>
-    </p:spTree>
-    <p:extLst>
-      <p:ext uri="{BB962C8B-B14F-4D97-AF65-F5344CB8AC3E}">
-        <p14:creationId xmlns:p14="http://schemas.microsoft.com/office/powerpoint/2010/main" val="3909011859"/>
-      </p:ext>
-    </p:extLst>
-  </p:cSld>
-  <p:clrMapOvr>
-    <a:masterClrMapping/>
-  </p:clrMapOvr>
+  <p:timing>
+    <p:tnLst>
+      <p:par>
+        <p:cTn id="1" dur="indefinite" restart="never" nodeType="tmRoot">
+          <p:childTnLst>
+            <p:seq concurrent="1" nextAc="seek">
+              <p:cTn id="2" dur="indefinite" nodeType="mainSeq">
+                <p:childTnLst>
+                  <p:par>
+                    <p:cTn id="3" fill="hold">
+                      <p:stCondLst>
+                        <p:cond delay="indefinite"/>
+                      </p:stCondLst>
+                      <p:childTnLst>
+                        <p:par>
+                          <p:cTn id="4" fill="hold">
+                            <p:stCondLst>
+                              <p:cond delay="0"/>
+                            </p:stCondLst>
+                            <p:childTnLst>
+                              <p:par>
+                                <p:cTn id="5" presetID="1" presetClass="entr" presetSubtype="0" fill="hold" grpId="0" nodeType="clickEffect">
+                                  <p:stCondLst>
+                                    <p:cond delay="0"/>
+                                  </p:stCondLst>
+                                  <p:childTnLst>
+                                    <p:set>
+                                      <p:cBhvr>
+                                        <p:cTn id="6" dur="1" fill="hold">
+                                          <p:stCondLst>
+                                            <p:cond delay="0"/>
+                                          </p:stCondLst>
+                                        </p:cTn>
+                                        <p:tgtEl>
+                                          <p:spTgt spid="5"/>
+                                        </p:tgtEl>
+                                        <p:attrNameLst>
+                                          <p:attrName>style.visibility</p:attrName>
+                                        </p:attrNameLst>
+                                      </p:cBhvr>
+                                      <p:to>
+                                        <p:strVal val="visible"/>
+                                      </p:to>
+                                    </p:set>
+                                  </p:childTnLst>
+                                </p:cTn>
+                              </p:par>
+                              <p:par>
+                                <p:cTn id="7" presetID="1" presetClass="entr" presetSubtype="0" fill="hold" nodeType="withEffect">
+                                  <p:stCondLst>
+                                    <p:cond delay="0"/>
+                                  </p:stCondLst>
+                                  <p:childTnLst>
+                                    <p:set>
+                                      <p:cBhvr>
+                                        <p:cTn id="8" dur="1" fill="hold">
+                                          <p:stCondLst>
+                                            <p:cond delay="0"/>
+                                          </p:stCondLst>
+                                        </p:cTn>
+                                        <p:tgtEl>
+                                          <p:spTgt spid="4"/>
+                                        </p:tgtEl>
+                                        <p:attrNameLst>
+                                          <p:attrName>style.visibility</p:attrName>
+                                        </p:attrNameLst>
+                                      </p:cBhvr>
+                                      <p:to>
+                                        <p:strVal val="visible"/>
+                                      </p:to>
+                                    </p:set>
+                                  </p:childTnLst>
+                                </p:cTn>
+                              </p:par>
+                            </p:childTnLst>
+                          </p:cTn>
+                        </p:par>
+                      </p:childTnLst>
+                    </p:cTn>
+                  </p:par>
+                  <p:par>
+                    <p:cTn id="9" fill="hold">
+                      <p:stCondLst>
+                        <p:cond delay="indefinite"/>
+                      </p:stCondLst>
+                      <p:childTnLst>
+                        <p:par>
+                          <p:cTn id="10" fill="hold">
+                            <p:stCondLst>
+                              <p:cond delay="0"/>
+                            </p:stCondLst>
+                            <p:childTnLst>
+                              <p:par>
+                                <p:cTn id="11" presetID="1" presetClass="entr" presetSubtype="0" fill="hold" grpId="0" nodeType="clickEffect">
+                                  <p:stCondLst>
+                                    <p:cond delay="0"/>
+                                  </p:stCondLst>
+                                  <p:childTnLst>
+                                    <p:set>
+                                      <p:cBhvr>
+                                        <p:cTn id="12" dur="1" fill="hold">
+                                          <p:stCondLst>
+                                            <p:cond delay="0"/>
+                                          </p:stCondLst>
+                                        </p:cTn>
+                                        <p:tgtEl>
+                                          <p:spTgt spid="7"/>
+                                        </p:tgtEl>
+                                        <p:attrNameLst>
+                                          <p:attrName>style.visibility</p:attrName>
+                                        </p:attrNameLst>
+                                      </p:cBhvr>
+                                      <p:to>
+                                        <p:strVal val="visible"/>
+                                      </p:to>
+                                    </p:set>
+                                  </p:childTnLst>
+                                </p:cTn>
+                              </p:par>
+                              <p:par>
+                                <p:cTn id="13" presetID="1" presetClass="entr" presetSubtype="0" fill="hold" nodeType="withEffect">
+                                  <p:stCondLst>
+                                    <p:cond delay="0"/>
+                                  </p:stCondLst>
+                                  <p:childTnLst>
+                                    <p:set>
+                                      <p:cBhvr>
+                                        <p:cTn id="14" dur="1" fill="hold">
+                                          <p:stCondLst>
+                                            <p:cond delay="0"/>
+                                          </p:stCondLst>
+                                        </p:cTn>
+                                        <p:tgtEl>
+                                          <p:spTgt spid="6"/>
+                                        </p:tgtEl>
+                                        <p:attrNameLst>
+                                          <p:attrName>style.visibility</p:attrName>
+                                        </p:attrNameLst>
+                                      </p:cBhvr>
+                                      <p:to>
+                                        <p:strVal val="visible"/>
+                                      </p:to>
+                                    </p:set>
+                                  </p:childTnLst>
+                                </p:cTn>
+                              </p:par>
+                            </p:childTnLst>
+                          </p:cTn>
+                        </p:par>
+                      </p:childTnLst>
+                    </p:cTn>
+                  </p:par>
+                </p:childTnLst>
+              </p:cTn>
+              <p:prevCondLst>
+                <p:cond evt="onPrev" delay="0">
+                  <p:tgtEl>
+                    <p:sldTgt/>
+                  </p:tgtEl>
+                </p:cond>
+              </p:prevCondLst>
+              <p:nextCondLst>
+                <p:cond evt="onNext" delay="0">
+                  <p:tgtEl>
+                    <p:sldTgt/>
+                  </p:tgtEl>
+                </p:cond>
+              </p:nextCondLst>
+            </p:seq>
+          </p:childTnLst>
+        </p:cTn>
+      </p:par>
+    </p:tnLst>
+    <p:bldLst>
+      <p:bldP spid="5" grpId="0"/>
+      <p:bldP spid="7" grpId="0"/>
+    </p:bldLst>
+  </p:timing>
 </p:sld>
 </file>
 
